--- a/assets/lectures/cshl/2021/mini/RNASeq_MiniLecture_02_04_alignmentQC.pptx
+++ b/assets/lectures/cshl/2021/mini/RNASeq_MiniLecture_02_04_alignmentQC.pptx
@@ -211,7 +211,7 @@
           <a:p>
             <a:fld id="{6AEFB71E-F1C4-D746-9C58-AFA29060B4FF}" type="datetimeFigureOut">
               <a:rPr lang="en-US" smtClean="0"/>
-              <a:t>11/9/20</a:t>
+              <a:t>11/10/21</a:t>
             </a:fld>
             <a:endParaRPr lang="en-US"/>
           </a:p>
@@ -517,14 +517,14 @@
           </a:ln>
           <a:extLst>
             <a:ext uri="{909E8E84-426E-40dd-AFC4-6F175D3DCCD1}">
-              <a14:hiddenFill xmlns="" xmlns:a14="http://schemas.microsoft.com/office/drawing/2010/main">
+              <a14:hiddenFill xmlns:a14="http://schemas.microsoft.com/office/drawing/2010/main" xmlns="">
                 <a:solidFill>
                   <a:srgbClr val="FFFFFF"/>
                 </a:solidFill>
               </a14:hiddenFill>
             </a:ext>
             <a:ext uri="{FAA26D3D-D897-4be2-8F04-BA451C77F1D7}">
-              <ma14:placeholderFlag xmlns="" xmlns:ma14="http://schemas.microsoft.com/office/mac/drawingml/2011/main" val="1"/>
+              <ma14:placeholderFlag xmlns:ma14="http://schemas.microsoft.com/office/mac/drawingml/2011/main" xmlns="" val="1"/>
             </a:ext>
           </a:extLst>
         </p:spPr>
@@ -543,14 +543,14 @@
           <a:noFill/>
           <a:extLst>
             <a:ext uri="{909E8E84-426E-40dd-AFC4-6F175D3DCCD1}">
-              <a14:hiddenFill xmlns="" xmlns:a14="http://schemas.microsoft.com/office/drawing/2010/main">
+              <a14:hiddenFill xmlns:a14="http://schemas.microsoft.com/office/drawing/2010/main" xmlns="">
                 <a:solidFill>
                   <a:srgbClr val="FFFFFF"/>
                 </a:solidFill>
               </a14:hiddenFill>
             </a:ext>
             <a:ext uri="{91240B29-F687-4f45-9708-019B960494DF}">
-              <a14:hiddenLine xmlns="" xmlns:a14="http://schemas.microsoft.com/office/drawing/2010/main" w="9525">
+              <a14:hiddenLine xmlns:a14="http://schemas.microsoft.com/office/drawing/2010/main" xmlns="" w="9525">
                 <a:solidFill>
                   <a:srgbClr val="000000"/>
                 </a:solidFill>
@@ -560,7 +560,7 @@
               </a14:hiddenLine>
             </a:ext>
             <a:ext uri="{FAA26D3D-D897-4be2-8F04-BA451C77F1D7}">
-              <ma14:placeholderFlag xmlns="" xmlns:ma14="http://schemas.microsoft.com/office/mac/drawingml/2011/main" val="1"/>
+              <ma14:placeholderFlag xmlns:ma14="http://schemas.microsoft.com/office/mac/drawingml/2011/main" xmlns="" val="1"/>
             </a:ext>
           </a:extLst>
         </p:spPr>
@@ -594,14 +594,14 @@
           <a:noFill/>
           <a:extLst>
             <a:ext uri="{909E8E84-426E-40dd-AFC4-6F175D3DCCD1}">
-              <a14:hiddenFill xmlns="" xmlns:a14="http://schemas.microsoft.com/office/drawing/2010/main">
+              <a14:hiddenFill xmlns:a14="http://schemas.microsoft.com/office/drawing/2010/main" xmlns="">
                 <a:solidFill>
                   <a:srgbClr val="FFFFFF"/>
                 </a:solidFill>
               </a14:hiddenFill>
             </a:ext>
             <a:ext uri="{91240B29-F687-4f45-9708-019B960494DF}">
-              <a14:hiddenLine xmlns="" xmlns:a14="http://schemas.microsoft.com/office/drawing/2010/main" w="9525">
+              <a14:hiddenLine xmlns:a14="http://schemas.microsoft.com/office/drawing/2010/main" xmlns="" w="9525">
                 <a:solidFill>
                   <a:srgbClr val="000000"/>
                 </a:solidFill>
@@ -1196,14 +1196,14 @@
           </a:ln>
           <a:extLst>
             <a:ext uri="{909E8E84-426E-40dd-AFC4-6F175D3DCCD1}">
-              <a14:hiddenFill xmlns="" xmlns:a14="http://schemas.microsoft.com/office/drawing/2010/main">
+              <a14:hiddenFill xmlns:a14="http://schemas.microsoft.com/office/drawing/2010/main" xmlns="">
                 <a:solidFill>
                   <a:srgbClr val="FFFFFF"/>
                 </a:solidFill>
               </a14:hiddenFill>
             </a:ext>
             <a:ext uri="{91240B29-F687-4f45-9708-019B960494DF}">
-              <a14:hiddenLine xmlns="" xmlns:a14="http://schemas.microsoft.com/office/drawing/2010/main" w="9525">
+              <a14:hiddenLine xmlns:a14="http://schemas.microsoft.com/office/drawing/2010/main" xmlns="" w="9525">
                 <a:solidFill>
                   <a:srgbClr val="000000"/>
                 </a:solidFill>
@@ -1698,14 +1698,14 @@
           </a:ln>
           <a:extLst>
             <a:ext uri="{909E8E84-426E-40dd-AFC4-6F175D3DCCD1}">
-              <a14:hiddenFill xmlns="" xmlns:a14="http://schemas.microsoft.com/office/drawing/2010/main">
+              <a14:hiddenFill xmlns:a14="http://schemas.microsoft.com/office/drawing/2010/main" xmlns="">
                 <a:solidFill>
                   <a:srgbClr val="FFFFFF"/>
                 </a:solidFill>
               </a14:hiddenFill>
             </a:ext>
             <a:ext uri="{91240B29-F687-4f45-9708-019B960494DF}">
-              <a14:hiddenLine xmlns="" xmlns:a14="http://schemas.microsoft.com/office/drawing/2010/main" w="9525">
+              <a14:hiddenLine xmlns:a14="http://schemas.microsoft.com/office/drawing/2010/main" xmlns="" w="9525">
                 <a:solidFill>
                   <a:srgbClr val="000000"/>
                 </a:solidFill>
@@ -3423,14 +3423,14 @@
           </a:ln>
           <a:extLst>
             <a:ext uri="{909E8E84-426E-40dd-AFC4-6F175D3DCCD1}">
-              <a14:hiddenFill xmlns:a14="http://schemas.microsoft.com/office/drawing/2010/main" xmlns="">
+              <a14:hiddenFill xmlns="" xmlns:a14="http://schemas.microsoft.com/office/drawing/2010/main">
                 <a:solidFill>
                   <a:srgbClr val="FFFFFF"/>
                 </a:solidFill>
               </a14:hiddenFill>
             </a:ext>
             <a:ext uri="{91240B29-F687-4f45-9708-019B960494DF}">
-              <a14:hiddenLine xmlns:a14="http://schemas.microsoft.com/office/drawing/2010/main" xmlns="" w="9525">
+              <a14:hiddenLine xmlns="" xmlns:a14="http://schemas.microsoft.com/office/drawing/2010/main" w="9525">
                 <a:solidFill>
                   <a:srgbClr val="000000"/>
                 </a:solidFill>
@@ -4324,14 +4324,14 @@
           </a:ln>
           <a:extLst>
             <a:ext uri="{909E8E84-426E-40dd-AFC4-6F175D3DCCD1}">
-              <a14:hiddenFill xmlns:a14="http://schemas.microsoft.com/office/drawing/2010/main" xmlns="">
+              <a14:hiddenFill xmlns="" xmlns:a14="http://schemas.microsoft.com/office/drawing/2010/main">
                 <a:solidFill>
                   <a:srgbClr val="FFFFFF"/>
                 </a:solidFill>
               </a14:hiddenFill>
             </a:ext>
             <a:ext uri="{91240B29-F687-4f45-9708-019B960494DF}">
-              <a14:hiddenLine xmlns:a14="http://schemas.microsoft.com/office/drawing/2010/main" xmlns="" w="9525">
+              <a14:hiddenLine xmlns="" xmlns:a14="http://schemas.microsoft.com/office/drawing/2010/main" w="9525">
                 <a:solidFill>
                   <a:srgbClr val="000000"/>
                 </a:solidFill>
@@ -4423,47 +4423,49 @@
                 <a:latin typeface="Calibri"/>
                 <a:cs typeface="Calibri"/>
               </a:rPr>
-              <a:t>John Chamberlin, </a:t>
+              <a:t>Kelsy Cotto, Arpad </a:t>
             </a:r>
             <a:r>
               <a:rPr lang="en-US" sz="1800" dirty="0" err="1">
                 <a:latin typeface="Calibri"/>
                 <a:cs typeface="Calibri"/>
               </a:rPr>
-              <a:t>Kelsy</a:t>
+              <a:t>Danos</a:t>
             </a:r>
             <a:r>
               <a:rPr lang="en-US" sz="1800" dirty="0">
                 <a:latin typeface="Calibri"/>
                 <a:cs typeface="Calibri"/>
               </a:rPr>
-              <a:t> Cotto, Felicia Gomez, Obi Griffith, Malachi Griffith, </a:t>
-            </a:r>
-          </a:p>
-          <a:p>
-            <a:pPr>
-              <a:defRPr/>
-            </a:pPr>
+              <a:t>, Harriet </a:t>
+            </a:r>
+            <a:r>
+              <a:rPr lang="en-US" sz="1800" dirty="0" err="1">
+                <a:latin typeface="Calibri"/>
+                <a:cs typeface="Calibri"/>
+              </a:rPr>
+              <a:t>Dashnow</a:t>
+            </a:r>
             <a:r>
               <a:rPr lang="en-US" sz="1800" dirty="0">
                 <a:latin typeface="Calibri"/>
                 <a:cs typeface="Calibri"/>
               </a:rPr>
-              <a:t>Simone Longo, Allegra Petti, Aaron Quinlan, Megan </a:t>
+              <a:t>, Felicia Gomez, Sharon </a:t>
             </a:r>
             <a:r>
               <a:rPr lang="en-US" sz="1800" dirty="0" err="1">
                 <a:latin typeface="Calibri"/>
                 <a:cs typeface="Calibri"/>
               </a:rPr>
-              <a:t>Richters</a:t>
+              <a:t>Freshour</a:t>
             </a:r>
             <a:r>
               <a:rPr lang="en-US" sz="1800" dirty="0">
                 <a:latin typeface="Calibri"/>
                 <a:cs typeface="Calibri"/>
               </a:rPr>
-              <a:t>, Huiming Xia</a:t>
+              <a:t>, Obi Griffith, </a:t>
             </a:r>
           </a:p>
           <a:p>
@@ -4472,6 +4474,46 @@
             </a:pPr>
             <a:r>
               <a:rPr lang="en-US" sz="1800" dirty="0">
+                <a:latin typeface="Calibri"/>
+                <a:cs typeface="Calibri"/>
+              </a:rPr>
+              <a:t>Malachi Griffith, Jason </a:t>
+            </a:r>
+            <a:r>
+              <a:rPr lang="en-US" sz="1800" dirty="0" err="1">
+                <a:latin typeface="Calibri"/>
+                <a:cs typeface="Calibri"/>
+              </a:rPr>
+              <a:t>Kunisaki</a:t>
+            </a:r>
+            <a:r>
+              <a:rPr lang="en-US" sz="1800" dirty="0">
+                <a:latin typeface="Calibri"/>
+                <a:cs typeface="Calibri"/>
+              </a:rPr>
+              <a:t>, Chris Miller, Jonathan </a:t>
+            </a:r>
+            <a:r>
+              <a:rPr lang="en-US" sz="1800" dirty="0" err="1">
+                <a:latin typeface="Calibri"/>
+                <a:cs typeface="Calibri"/>
+              </a:rPr>
+              <a:t>Preall</a:t>
+            </a:r>
+            <a:r>
+              <a:rPr lang="en-US" sz="1800" dirty="0">
+                <a:latin typeface="Calibri"/>
+                <a:cs typeface="Calibri"/>
+              </a:rPr>
+              <a:t>, Aaron Quinlan</a:t>
+            </a:r>
+          </a:p>
+          <a:p>
+            <a:pPr>
+              <a:defRPr/>
+            </a:pPr>
+            <a:r>
+              <a:rPr lang="en-US" sz="1800">
                 <a:ln w="1270">
                   <a:solidFill>
                     <a:schemeClr val="tx1">
@@ -4485,7 +4527,7 @@
               <a:t>Advanced Sequencing Technologies &amp; Bioinformatics Analysis </a:t>
             </a:r>
             <a:r>
-              <a:rPr lang="en-US" sz="1600" dirty="0">
+              <a:rPr lang="en-US" sz="1600">
                 <a:ln w="1270">
                   <a:solidFill>
                     <a:schemeClr val="tx1">
@@ -4496,8 +4538,19 @@
                 <a:latin typeface="Calibri"/>
                 <a:cs typeface="Calibri"/>
               </a:rPr>
-              <a:t>November 16-20, 2020</a:t>
-            </a:r>
+              <a:t>November 11-19, 2021</a:t>
+            </a:r>
+            <a:endParaRPr lang="en-US" sz="1600" dirty="0">
+              <a:ln w="1270">
+                <a:solidFill>
+                  <a:schemeClr val="tx1">
+                    <a:alpha val="38000"/>
+                  </a:schemeClr>
+                </a:solidFill>
+              </a:ln>
+              <a:latin typeface="Calibri"/>
+              <a:cs typeface="Calibri"/>
+            </a:endParaRPr>
           </a:p>
         </p:txBody>
       </p:sp>
@@ -4708,7 +4761,7 @@
           <a:effectLst/>
           <a:extLst>
             <a:ext uri="{909E8E84-426E-40dd-AFC4-6F175D3DCCD1}">
-              <a14:hiddenFill xmlns:a14="http://schemas.microsoft.com/office/drawing/2010/main" xmlns="">
+              <a14:hiddenFill xmlns="" xmlns:a14="http://schemas.microsoft.com/office/drawing/2010/main">
                 <a:blipFill dpi="0" rotWithShape="0">
                   <a:blip/>
                   <a:srcRect/>
@@ -4719,7 +4772,7 @@
               </a14:hiddenFill>
             </a:ext>
             <a:ext uri="{91240B29-F687-4f45-9708-019B960494DF}">
-              <a14:hiddenLine xmlns:a14="http://schemas.microsoft.com/office/drawing/2010/main" xmlns="" w="9525" cap="flat">
+              <a14:hiddenLine xmlns="" xmlns:a14="http://schemas.microsoft.com/office/drawing/2010/main" w="9525" cap="flat">
                 <a:solidFill>
                   <a:srgbClr val="3465A4"/>
                 </a:solidFill>
@@ -4729,7 +4782,7 @@
               </a14:hiddenLine>
             </a:ext>
             <a:ext uri="{AF507438-7753-43e0-B8FC-AC1667EBCBE1}">
-              <a14:hiddenEffects xmlns:a14="http://schemas.microsoft.com/office/drawing/2010/main" xmlns="">
+              <a14:hiddenEffects xmlns="" xmlns:a14="http://schemas.microsoft.com/office/drawing/2010/main">
                 <a:effectLst>
                   <a:outerShdw blurRad="63500" dist="38099" dir="2700000" algn="ctr" rotWithShape="0">
                     <a:srgbClr val="000000">
@@ -4827,14 +4880,14 @@
           <a:effectLst/>
           <a:extLst>
             <a:ext uri="{909E8E84-426E-40dd-AFC4-6F175D3DCCD1}">
-              <a14:hiddenFill xmlns:a14="http://schemas.microsoft.com/office/drawing/2010/main" xmlns="">
+              <a14:hiddenFill xmlns="" xmlns:a14="http://schemas.microsoft.com/office/drawing/2010/main">
                 <a:solidFill>
                   <a:srgbClr val="FFFFFF"/>
                 </a:solidFill>
               </a14:hiddenFill>
             </a:ext>
             <a:ext uri="{91240B29-F687-4f45-9708-019B960494DF}">
-              <a14:hiddenLine xmlns:a14="http://schemas.microsoft.com/office/drawing/2010/main" xmlns="" w="9525" cap="flat">
+              <a14:hiddenLine xmlns="" xmlns:a14="http://schemas.microsoft.com/office/drawing/2010/main" w="9525" cap="flat">
                 <a:solidFill>
                   <a:srgbClr val="000000"/>
                 </a:solidFill>
@@ -4844,7 +4897,7 @@
               </a14:hiddenLine>
             </a:ext>
             <a:ext uri="{AF507438-7753-43e0-B8FC-AC1667EBCBE1}">
-              <a14:hiddenEffects xmlns:a14="http://schemas.microsoft.com/office/drawing/2010/main" xmlns="">
+              <a14:hiddenEffects xmlns="" xmlns:a14="http://schemas.microsoft.com/office/drawing/2010/main">
                 <a:effectLst>
                   <a:outerShdw blurRad="63500" dist="38099" dir="2700000" algn="ctr" rotWithShape="0">
                     <a:srgbClr val="000000">
@@ -5258,7 +5311,7 @@
           <a:effectLst/>
           <a:extLst>
             <a:ext uri="{909E8E84-426E-40dd-AFC4-6F175D3DCCD1}">
-              <a14:hiddenFill xmlns:a14="http://schemas.microsoft.com/office/drawing/2010/main" xmlns="">
+              <a14:hiddenFill xmlns="" xmlns:a14="http://schemas.microsoft.com/office/drawing/2010/main">
                 <a:blipFill dpi="0" rotWithShape="0">
                   <a:blip/>
                   <a:srcRect/>
@@ -5269,7 +5322,7 @@
               </a14:hiddenFill>
             </a:ext>
             <a:ext uri="{91240B29-F687-4f45-9708-019B960494DF}">
-              <a14:hiddenLine xmlns:a14="http://schemas.microsoft.com/office/drawing/2010/main" xmlns="" w="9525" cap="flat">
+              <a14:hiddenLine xmlns="" xmlns:a14="http://schemas.microsoft.com/office/drawing/2010/main" w="9525" cap="flat">
                 <a:solidFill>
                   <a:srgbClr val="3465A4"/>
                 </a:solidFill>
@@ -5279,7 +5332,7 @@
               </a14:hiddenLine>
             </a:ext>
             <a:ext uri="{AF507438-7753-43e0-B8FC-AC1667EBCBE1}">
-              <a14:hiddenEffects xmlns:a14="http://schemas.microsoft.com/office/drawing/2010/main" xmlns="">
+              <a14:hiddenEffects xmlns="" xmlns:a14="http://schemas.microsoft.com/office/drawing/2010/main">
                 <a:effectLst>
                   <a:outerShdw blurRad="63500" dist="38099" dir="2700000" algn="ctr" rotWithShape="0">
                     <a:srgbClr val="000000">
@@ -5334,7 +5387,7 @@
           <a:effectLst/>
           <a:extLst>
             <a:ext uri="{909E8E84-426E-40dd-AFC4-6F175D3DCCD1}">
-              <a14:hiddenFill xmlns:a14="http://schemas.microsoft.com/office/drawing/2010/main" xmlns="">
+              <a14:hiddenFill xmlns="" xmlns:a14="http://schemas.microsoft.com/office/drawing/2010/main">
                 <a:blipFill dpi="0" rotWithShape="0">
                   <a:blip/>
                   <a:srcRect/>
@@ -5345,7 +5398,7 @@
               </a14:hiddenFill>
             </a:ext>
             <a:ext uri="{91240B29-F687-4f45-9708-019B960494DF}">
-              <a14:hiddenLine xmlns:a14="http://schemas.microsoft.com/office/drawing/2010/main" xmlns="" w="9525" cap="flat">
+              <a14:hiddenLine xmlns="" xmlns:a14="http://schemas.microsoft.com/office/drawing/2010/main" w="9525" cap="flat">
                 <a:solidFill>
                   <a:srgbClr val="3465A4"/>
                 </a:solidFill>
@@ -5355,7 +5408,7 @@
               </a14:hiddenLine>
             </a:ext>
             <a:ext uri="{AF507438-7753-43e0-B8FC-AC1667EBCBE1}">
-              <a14:hiddenEffects xmlns:a14="http://schemas.microsoft.com/office/drawing/2010/main" xmlns="">
+              <a14:hiddenEffects xmlns="" xmlns:a14="http://schemas.microsoft.com/office/drawing/2010/main">
                 <a:effectLst>
                   <a:outerShdw blurRad="63500" dist="38099" dir="2700000" algn="ctr" rotWithShape="0">
                     <a:srgbClr val="000000">
@@ -5397,14 +5450,14 @@
           <a:effectLst/>
           <a:extLst>
             <a:ext uri="{909E8E84-426E-40dd-AFC4-6F175D3DCCD1}">
-              <a14:hiddenFill xmlns:a14="http://schemas.microsoft.com/office/drawing/2010/main" xmlns="">
+              <a14:hiddenFill xmlns="" xmlns:a14="http://schemas.microsoft.com/office/drawing/2010/main">
                 <a:solidFill>
                   <a:srgbClr val="FFFFFF"/>
                 </a:solidFill>
               </a14:hiddenFill>
             </a:ext>
             <a:ext uri="{91240B29-F687-4f45-9708-019B960494DF}">
-              <a14:hiddenLine xmlns:a14="http://schemas.microsoft.com/office/drawing/2010/main" xmlns="" w="9525" cap="flat">
+              <a14:hiddenLine xmlns="" xmlns:a14="http://schemas.microsoft.com/office/drawing/2010/main" w="9525" cap="flat">
                 <a:solidFill>
                   <a:srgbClr val="000000"/>
                 </a:solidFill>
@@ -5414,7 +5467,7 @@
               </a14:hiddenLine>
             </a:ext>
             <a:ext uri="{AF507438-7753-43e0-B8FC-AC1667EBCBE1}">
-              <a14:hiddenEffects xmlns:a14="http://schemas.microsoft.com/office/drawing/2010/main" xmlns="">
+              <a14:hiddenEffects xmlns="" xmlns:a14="http://schemas.microsoft.com/office/drawing/2010/main">
                 <a:effectLst>
                   <a:outerShdw blurRad="63500" dist="38099" dir="2700000" algn="ctr" rotWithShape="0">
                     <a:srgbClr val="000000">
@@ -5675,14 +5728,14 @@
           <a:effectLst/>
           <a:extLst>
             <a:ext uri="{909E8E84-426E-40dd-AFC4-6F175D3DCCD1}">
-              <a14:hiddenFill xmlns:a14="http://schemas.microsoft.com/office/drawing/2010/main" xmlns="">
+              <a14:hiddenFill xmlns="" xmlns:a14="http://schemas.microsoft.com/office/drawing/2010/main">
                 <a:solidFill>
                   <a:srgbClr val="FFFFFF"/>
                 </a:solidFill>
               </a14:hiddenFill>
             </a:ext>
             <a:ext uri="{91240B29-F687-4f45-9708-019B960494DF}">
-              <a14:hiddenLine xmlns:a14="http://schemas.microsoft.com/office/drawing/2010/main" xmlns="" w="9525" cap="flat">
+              <a14:hiddenLine xmlns="" xmlns:a14="http://schemas.microsoft.com/office/drawing/2010/main" w="9525" cap="flat">
                 <a:solidFill>
                   <a:srgbClr val="000000"/>
                 </a:solidFill>
@@ -5692,7 +5745,7 @@
               </a14:hiddenLine>
             </a:ext>
             <a:ext uri="{AF507438-7753-43e0-B8FC-AC1667EBCBE1}">
-              <a14:hiddenEffects xmlns:a14="http://schemas.microsoft.com/office/drawing/2010/main" xmlns="">
+              <a14:hiddenEffects xmlns="" xmlns:a14="http://schemas.microsoft.com/office/drawing/2010/main">
                 <a:effectLst>
                   <a:outerShdw blurRad="63500" dist="38099" dir="2700000" algn="ctr" rotWithShape="0">
                     <a:srgbClr val="000000">
@@ -5999,7 +6052,7 @@
           <a:effectLst/>
           <a:extLst>
             <a:ext uri="{909E8E84-426E-40dd-AFC4-6F175D3DCCD1}">
-              <a14:hiddenFill xmlns="" xmlns:a14="http://schemas.microsoft.com/office/drawing/2010/main">
+              <a14:hiddenFill xmlns:a14="http://schemas.microsoft.com/office/drawing/2010/main" xmlns="">
                 <a:blipFill dpi="0" rotWithShape="0">
                   <a:blip/>
                   <a:srcRect/>
@@ -6010,7 +6063,7 @@
               </a14:hiddenFill>
             </a:ext>
             <a:ext uri="{91240B29-F687-4f45-9708-019B960494DF}">
-              <a14:hiddenLine xmlns="" xmlns:a14="http://schemas.microsoft.com/office/drawing/2010/main" w="9525" cap="flat">
+              <a14:hiddenLine xmlns:a14="http://schemas.microsoft.com/office/drawing/2010/main" xmlns="" w="9525" cap="flat">
                 <a:solidFill>
                   <a:srgbClr val="3465A4"/>
                 </a:solidFill>
@@ -6020,7 +6073,7 @@
               </a14:hiddenLine>
             </a:ext>
             <a:ext uri="{AF507438-7753-43e0-B8FC-AC1667EBCBE1}">
-              <a14:hiddenEffects xmlns="" xmlns:a14="http://schemas.microsoft.com/office/drawing/2010/main">
+              <a14:hiddenEffects xmlns:a14="http://schemas.microsoft.com/office/drawing/2010/main" xmlns="">
                 <a:effectLst>
                   <a:outerShdw blurRad="63500" dist="38099" dir="2700000" algn="ctr" rotWithShape="0">
                     <a:srgbClr val="000000">
@@ -6069,7 +6122,7 @@
           <a:effectLst/>
           <a:extLst>
             <a:ext uri="{909E8E84-426E-40dd-AFC4-6F175D3DCCD1}">
-              <a14:hiddenFill xmlns="" xmlns:a14="http://schemas.microsoft.com/office/drawing/2010/main">
+              <a14:hiddenFill xmlns:a14="http://schemas.microsoft.com/office/drawing/2010/main" xmlns="">
                 <a:blipFill dpi="0" rotWithShape="0">
                   <a:blip/>
                   <a:srcRect/>
@@ -6080,7 +6133,7 @@
               </a14:hiddenFill>
             </a:ext>
             <a:ext uri="{91240B29-F687-4f45-9708-019B960494DF}">
-              <a14:hiddenLine xmlns="" xmlns:a14="http://schemas.microsoft.com/office/drawing/2010/main" w="9525" cap="flat">
+              <a14:hiddenLine xmlns:a14="http://schemas.microsoft.com/office/drawing/2010/main" xmlns="" w="9525" cap="flat">
                 <a:solidFill>
                   <a:srgbClr val="3465A4"/>
                 </a:solidFill>
@@ -6090,7 +6143,7 @@
               </a14:hiddenLine>
             </a:ext>
             <a:ext uri="{AF507438-7753-43e0-B8FC-AC1667EBCBE1}">
-              <a14:hiddenEffects xmlns="" xmlns:a14="http://schemas.microsoft.com/office/drawing/2010/main">
+              <a14:hiddenEffects xmlns:a14="http://schemas.microsoft.com/office/drawing/2010/main" xmlns="">
                 <a:effectLst>
                   <a:outerShdw blurRad="63500" dist="38099" dir="2700000" algn="ctr" rotWithShape="0">
                     <a:srgbClr val="000000">
@@ -6126,14 +6179,14 @@
           <a:effectLst/>
           <a:extLst>
             <a:ext uri="{909E8E84-426E-40dd-AFC4-6F175D3DCCD1}">
-              <a14:hiddenFill xmlns="" xmlns:a14="http://schemas.microsoft.com/office/drawing/2010/main">
+              <a14:hiddenFill xmlns:a14="http://schemas.microsoft.com/office/drawing/2010/main" xmlns="">
                 <a:solidFill>
                   <a:srgbClr val="FFFFFF"/>
                 </a:solidFill>
               </a14:hiddenFill>
             </a:ext>
             <a:ext uri="{91240B29-F687-4f45-9708-019B960494DF}">
-              <a14:hiddenLine xmlns="" xmlns:a14="http://schemas.microsoft.com/office/drawing/2010/main" w="9525" cap="flat">
+              <a14:hiddenLine xmlns:a14="http://schemas.microsoft.com/office/drawing/2010/main" xmlns="" w="9525" cap="flat">
                 <a:solidFill>
                   <a:srgbClr val="000000"/>
                 </a:solidFill>
@@ -6143,7 +6196,7 @@
               </a14:hiddenLine>
             </a:ext>
             <a:ext uri="{AF507438-7753-43e0-B8FC-AC1667EBCBE1}">
-              <a14:hiddenEffects xmlns="" xmlns:a14="http://schemas.microsoft.com/office/drawing/2010/main">
+              <a14:hiddenEffects xmlns:a14="http://schemas.microsoft.com/office/drawing/2010/main" xmlns="">
                 <a:effectLst>
                   <a:outerShdw blurRad="63500" dist="38099" dir="2700000" algn="ctr" rotWithShape="0">
                     <a:srgbClr val="000000">
@@ -6544,7 +6597,7 @@
           <a:effectLst/>
           <a:extLst>
             <a:ext uri="{909E8E84-426E-40dd-AFC4-6F175D3DCCD1}">
-              <a14:hiddenFill xmlns="" xmlns:a14="http://schemas.microsoft.com/office/drawing/2010/main">
+              <a14:hiddenFill xmlns:a14="http://schemas.microsoft.com/office/drawing/2010/main" xmlns="">
                 <a:blipFill dpi="0" rotWithShape="0">
                   <a:blip/>
                   <a:srcRect/>
@@ -6555,7 +6608,7 @@
               </a14:hiddenFill>
             </a:ext>
             <a:ext uri="{91240B29-F687-4f45-9708-019B960494DF}">
-              <a14:hiddenLine xmlns="" xmlns:a14="http://schemas.microsoft.com/office/drawing/2010/main" w="9525" cap="flat">
+              <a14:hiddenLine xmlns:a14="http://schemas.microsoft.com/office/drawing/2010/main" xmlns="" w="9525" cap="flat">
                 <a:solidFill>
                   <a:srgbClr val="3465A4"/>
                 </a:solidFill>
@@ -6565,7 +6618,7 @@
               </a14:hiddenLine>
             </a:ext>
             <a:ext uri="{AF507438-7753-43e0-B8FC-AC1667EBCBE1}">
-              <a14:hiddenEffects xmlns="" xmlns:a14="http://schemas.microsoft.com/office/drawing/2010/main">
+              <a14:hiddenEffects xmlns:a14="http://schemas.microsoft.com/office/drawing/2010/main" xmlns="">
                 <a:effectLst>
                   <a:outerShdw blurRad="63500" dist="38099" dir="2700000" algn="ctr" rotWithShape="0">
                     <a:srgbClr val="000000">
@@ -6601,14 +6654,14 @@
           <a:effectLst/>
           <a:extLst>
             <a:ext uri="{909E8E84-426E-40dd-AFC4-6F175D3DCCD1}">
-              <a14:hiddenFill xmlns="" xmlns:a14="http://schemas.microsoft.com/office/drawing/2010/main">
+              <a14:hiddenFill xmlns:a14="http://schemas.microsoft.com/office/drawing/2010/main" xmlns="">
                 <a:solidFill>
                   <a:srgbClr val="FFFFFF"/>
                 </a:solidFill>
               </a14:hiddenFill>
             </a:ext>
             <a:ext uri="{91240B29-F687-4f45-9708-019B960494DF}">
-              <a14:hiddenLine xmlns="" xmlns:a14="http://schemas.microsoft.com/office/drawing/2010/main" w="9525" cap="flat">
+              <a14:hiddenLine xmlns:a14="http://schemas.microsoft.com/office/drawing/2010/main" xmlns="" w="9525" cap="flat">
                 <a:solidFill>
                   <a:srgbClr val="000000"/>
                 </a:solidFill>
@@ -6618,7 +6671,7 @@
               </a14:hiddenLine>
             </a:ext>
             <a:ext uri="{AF507438-7753-43e0-B8FC-AC1667EBCBE1}">
-              <a14:hiddenEffects xmlns="" xmlns:a14="http://schemas.microsoft.com/office/drawing/2010/main">
+              <a14:hiddenEffects xmlns:a14="http://schemas.microsoft.com/office/drawing/2010/main" xmlns="">
                 <a:effectLst>
                   <a:outerShdw blurRad="63500" dist="38099" dir="2700000" algn="ctr" rotWithShape="0">
                     <a:srgbClr val="000000">
@@ -6901,14 +6954,14 @@
           <a:effectLst/>
           <a:extLst>
             <a:ext uri="{909E8E84-426E-40dd-AFC4-6F175D3DCCD1}">
-              <a14:hiddenFill xmlns="" xmlns:a14="http://schemas.microsoft.com/office/drawing/2010/main">
+              <a14:hiddenFill xmlns:a14="http://schemas.microsoft.com/office/drawing/2010/main" xmlns="">
                 <a:solidFill>
                   <a:srgbClr val="FFFFFF"/>
                 </a:solidFill>
               </a14:hiddenFill>
             </a:ext>
             <a:ext uri="{91240B29-F687-4f45-9708-019B960494DF}">
-              <a14:hiddenLine xmlns="" xmlns:a14="http://schemas.microsoft.com/office/drawing/2010/main" w="9525" cap="flat">
+              <a14:hiddenLine xmlns:a14="http://schemas.microsoft.com/office/drawing/2010/main" xmlns="" w="9525" cap="flat">
                 <a:solidFill>
                   <a:srgbClr val="3465A4"/>
                 </a:solidFill>
@@ -6918,7 +6971,7 @@
               </a14:hiddenLine>
             </a:ext>
             <a:ext uri="{AF507438-7753-43e0-B8FC-AC1667EBCBE1}">
-              <a14:hiddenEffects xmlns="" xmlns:a14="http://schemas.microsoft.com/office/drawing/2010/main">
+              <a14:hiddenEffects xmlns:a14="http://schemas.microsoft.com/office/drawing/2010/main" xmlns="">
                 <a:effectLst>
                   <a:outerShdw blurRad="63500" dist="38099" dir="2700000" algn="ctr" rotWithShape="0">
                     <a:srgbClr val="000000">
@@ -7280,14 +7333,14 @@
           </a:ln>
           <a:extLst>
             <a:ext uri="{909E8E84-426E-40dd-AFC4-6F175D3DCCD1}">
-              <a14:hiddenFill xmlns="" xmlns:a14="http://schemas.microsoft.com/office/drawing/2010/main">
+              <a14:hiddenFill xmlns:a14="http://schemas.microsoft.com/office/drawing/2010/main" xmlns="">
                 <a:solidFill>
                   <a:srgbClr val="FFFFFF"/>
                 </a:solidFill>
               </a14:hiddenFill>
             </a:ext>
             <a:ext uri="{91240B29-F687-4f45-9708-019B960494DF}">
-              <a14:hiddenLine xmlns="" xmlns:a14="http://schemas.microsoft.com/office/drawing/2010/main" w="9525">
+              <a14:hiddenLine xmlns:a14="http://schemas.microsoft.com/office/drawing/2010/main" xmlns="" w="9525">
                 <a:solidFill>
                   <a:srgbClr val="000000"/>
                 </a:solidFill>
@@ -7856,14 +7909,14 @@
           </a:ln>
           <a:extLst>
             <a:ext uri="{909E8E84-426E-40dd-AFC4-6F175D3DCCD1}">
-              <a14:hiddenFill xmlns="" xmlns:a14="http://schemas.microsoft.com/office/drawing/2010/main">
+              <a14:hiddenFill xmlns:a14="http://schemas.microsoft.com/office/drawing/2010/main" xmlns="">
                 <a:solidFill>
                   <a:srgbClr val="FFFFFF"/>
                 </a:solidFill>
               </a14:hiddenFill>
             </a:ext>
             <a:ext uri="{91240B29-F687-4f45-9708-019B960494DF}">
-              <a14:hiddenLine xmlns="" xmlns:a14="http://schemas.microsoft.com/office/drawing/2010/main" w="9525">
+              <a14:hiddenLine xmlns:a14="http://schemas.microsoft.com/office/drawing/2010/main" xmlns="" w="9525">
                 <a:solidFill>
                   <a:srgbClr val="000000"/>
                 </a:solidFill>
@@ -8052,14 +8105,14 @@
           </a:ln>
           <a:extLst>
             <a:ext uri="{909E8E84-426E-40dd-AFC4-6F175D3DCCD1}">
-              <a14:hiddenFill xmlns="" xmlns:a14="http://schemas.microsoft.com/office/drawing/2010/main">
+              <a14:hiddenFill xmlns:a14="http://schemas.microsoft.com/office/drawing/2010/main" xmlns="">
                 <a:solidFill>
                   <a:srgbClr val="FFFFFF"/>
                 </a:solidFill>
               </a14:hiddenFill>
             </a:ext>
             <a:ext uri="{91240B29-F687-4f45-9708-019B960494DF}">
-              <a14:hiddenLine xmlns="" xmlns:a14="http://schemas.microsoft.com/office/drawing/2010/main" w="9525">
+              <a14:hiddenLine xmlns:a14="http://schemas.microsoft.com/office/drawing/2010/main" xmlns="" w="9525">
                 <a:solidFill>
                   <a:srgbClr val="000000"/>
                 </a:solidFill>
@@ -8248,14 +8301,14 @@
           </a:ln>
           <a:extLst>
             <a:ext uri="{909E8E84-426E-40dd-AFC4-6F175D3DCCD1}">
-              <a14:hiddenFill xmlns="" xmlns:a14="http://schemas.microsoft.com/office/drawing/2010/main">
+              <a14:hiddenFill xmlns:a14="http://schemas.microsoft.com/office/drawing/2010/main" xmlns="">
                 <a:solidFill>
                   <a:srgbClr val="FFFFFF"/>
                 </a:solidFill>
               </a14:hiddenFill>
             </a:ext>
             <a:ext uri="{91240B29-F687-4f45-9708-019B960494DF}">
-              <a14:hiddenLine xmlns="" xmlns:a14="http://schemas.microsoft.com/office/drawing/2010/main" w="9525">
+              <a14:hiddenLine xmlns:a14="http://schemas.microsoft.com/office/drawing/2010/main" xmlns="" w="9525">
                 <a:solidFill>
                   <a:srgbClr val="000000"/>
                 </a:solidFill>
@@ -8409,14 +8462,14 @@
           </a:ln>
           <a:extLst>
             <a:ext uri="{909E8E84-426E-40dd-AFC4-6F175D3DCCD1}">
-              <a14:hiddenFill xmlns="" xmlns:a14="http://schemas.microsoft.com/office/drawing/2010/main">
+              <a14:hiddenFill xmlns:a14="http://schemas.microsoft.com/office/drawing/2010/main" xmlns="">
                 <a:solidFill>
                   <a:srgbClr val="FFFFFF"/>
                 </a:solidFill>
               </a14:hiddenFill>
             </a:ext>
             <a:ext uri="{91240B29-F687-4f45-9708-019B960494DF}">
-              <a14:hiddenLine xmlns="" xmlns:a14="http://schemas.microsoft.com/office/drawing/2010/main" w="9525">
+              <a14:hiddenLine xmlns:a14="http://schemas.microsoft.com/office/drawing/2010/main" xmlns="" w="9525">
                 <a:solidFill>
                   <a:srgbClr val="000000"/>
                 </a:solidFill>
@@ -8605,14 +8658,14 @@
           </a:ln>
           <a:extLst>
             <a:ext uri="{909E8E84-426E-40dd-AFC4-6F175D3DCCD1}">
-              <a14:hiddenFill xmlns="" xmlns:a14="http://schemas.microsoft.com/office/drawing/2010/main">
+              <a14:hiddenFill xmlns:a14="http://schemas.microsoft.com/office/drawing/2010/main" xmlns="">
                 <a:solidFill>
                   <a:srgbClr val="FFFFFF"/>
                 </a:solidFill>
               </a14:hiddenFill>
             </a:ext>
             <a:ext uri="{91240B29-F687-4f45-9708-019B960494DF}">
-              <a14:hiddenLine xmlns="" xmlns:a14="http://schemas.microsoft.com/office/drawing/2010/main" w="9525">
+              <a14:hiddenLine xmlns:a14="http://schemas.microsoft.com/office/drawing/2010/main" xmlns="" w="9525">
                 <a:solidFill>
                   <a:srgbClr val="000000"/>
                 </a:solidFill>
@@ -8843,14 +8896,14 @@
           </a:ln>
           <a:extLst>
             <a:ext uri="{909E8E84-426E-40dd-AFC4-6F175D3DCCD1}">
-              <a14:hiddenFill xmlns="" xmlns:a14="http://schemas.microsoft.com/office/drawing/2010/main">
+              <a14:hiddenFill xmlns:a14="http://schemas.microsoft.com/office/drawing/2010/main" xmlns="">
                 <a:solidFill>
                   <a:srgbClr val="FFFFFF"/>
                 </a:solidFill>
               </a14:hiddenFill>
             </a:ext>
             <a:ext uri="{91240B29-F687-4f45-9708-019B960494DF}">
-              <a14:hiddenLine xmlns="" xmlns:a14="http://schemas.microsoft.com/office/drawing/2010/main" w="9525">
+              <a14:hiddenLine xmlns:a14="http://schemas.microsoft.com/office/drawing/2010/main" xmlns="" w="9525">
                 <a:solidFill>
                   <a:srgbClr val="000000"/>
                 </a:solidFill>
@@ -9039,14 +9092,14 @@
           </a:ln>
           <a:extLst>
             <a:ext uri="{909E8E84-426E-40dd-AFC4-6F175D3DCCD1}">
-              <a14:hiddenFill xmlns="" xmlns:a14="http://schemas.microsoft.com/office/drawing/2010/main">
+              <a14:hiddenFill xmlns:a14="http://schemas.microsoft.com/office/drawing/2010/main" xmlns="">
                 <a:solidFill>
                   <a:srgbClr val="FFFFFF"/>
                 </a:solidFill>
               </a14:hiddenFill>
             </a:ext>
             <a:ext uri="{91240B29-F687-4f45-9708-019B960494DF}">
-              <a14:hiddenLine xmlns="" xmlns:a14="http://schemas.microsoft.com/office/drawing/2010/main" w="9525">
+              <a14:hiddenLine xmlns:a14="http://schemas.microsoft.com/office/drawing/2010/main" xmlns="" w="9525">
                 <a:solidFill>
                   <a:srgbClr val="000000"/>
                 </a:solidFill>
@@ -9235,14 +9288,14 @@
           </a:ln>
           <a:extLst>
             <a:ext uri="{909E8E84-426E-40dd-AFC4-6F175D3DCCD1}">
-              <a14:hiddenFill xmlns="" xmlns:a14="http://schemas.microsoft.com/office/drawing/2010/main">
+              <a14:hiddenFill xmlns:a14="http://schemas.microsoft.com/office/drawing/2010/main" xmlns="">
                 <a:solidFill>
                   <a:srgbClr val="FFFFFF"/>
                 </a:solidFill>
               </a14:hiddenFill>
             </a:ext>
             <a:ext uri="{91240B29-F687-4f45-9708-019B960494DF}">
-              <a14:hiddenLine xmlns="" xmlns:a14="http://schemas.microsoft.com/office/drawing/2010/main" w="9525">
+              <a14:hiddenLine xmlns:a14="http://schemas.microsoft.com/office/drawing/2010/main" xmlns="" w="9525">
                 <a:solidFill>
                   <a:srgbClr val="000000"/>
                 </a:solidFill>
@@ -9438,14 +9491,14 @@
           </a:ln>
           <a:extLst>
             <a:ext uri="{909E8E84-426E-40dd-AFC4-6F175D3DCCD1}">
-              <a14:hiddenFill xmlns="" xmlns:a14="http://schemas.microsoft.com/office/drawing/2010/main">
+              <a14:hiddenFill xmlns:a14="http://schemas.microsoft.com/office/drawing/2010/main" xmlns="">
                 <a:solidFill>
                   <a:srgbClr val="FFFFFF"/>
                 </a:solidFill>
               </a14:hiddenFill>
             </a:ext>
             <a:ext uri="{91240B29-F687-4f45-9708-019B960494DF}">
-              <a14:hiddenLine xmlns="" xmlns:a14="http://schemas.microsoft.com/office/drawing/2010/main" w="9525">
+              <a14:hiddenLine xmlns:a14="http://schemas.microsoft.com/office/drawing/2010/main" xmlns="" w="9525">
                 <a:solidFill>
                   <a:srgbClr val="000000"/>
                 </a:solidFill>
@@ -9634,14 +9687,14 @@
           </a:ln>
           <a:extLst>
             <a:ext uri="{909E8E84-426E-40dd-AFC4-6F175D3DCCD1}">
-              <a14:hiddenFill xmlns="" xmlns:a14="http://schemas.microsoft.com/office/drawing/2010/main">
+              <a14:hiddenFill xmlns:a14="http://schemas.microsoft.com/office/drawing/2010/main" xmlns="">
                 <a:solidFill>
                   <a:srgbClr val="FFFFFF"/>
                 </a:solidFill>
               </a14:hiddenFill>
             </a:ext>
             <a:ext uri="{91240B29-F687-4f45-9708-019B960494DF}">
-              <a14:hiddenLine xmlns="" xmlns:a14="http://schemas.microsoft.com/office/drawing/2010/main" w="9525">
+              <a14:hiddenLine xmlns:a14="http://schemas.microsoft.com/office/drawing/2010/main" xmlns="" w="9525">
                 <a:solidFill>
                   <a:srgbClr val="000000"/>
                 </a:solidFill>
@@ -9837,14 +9890,14 @@
           </a:ln>
           <a:extLst>
             <a:ext uri="{909E8E84-426E-40dd-AFC4-6F175D3DCCD1}">
-              <a14:hiddenFill xmlns="" xmlns:a14="http://schemas.microsoft.com/office/drawing/2010/main">
+              <a14:hiddenFill xmlns:a14="http://schemas.microsoft.com/office/drawing/2010/main" xmlns="">
                 <a:solidFill>
                   <a:srgbClr val="FFFFFF"/>
                 </a:solidFill>
               </a14:hiddenFill>
             </a:ext>
             <a:ext uri="{91240B29-F687-4f45-9708-019B960494DF}">
-              <a14:hiddenLine xmlns="" xmlns:a14="http://schemas.microsoft.com/office/drawing/2010/main" w="9525">
+              <a14:hiddenLine xmlns:a14="http://schemas.microsoft.com/office/drawing/2010/main" xmlns="" w="9525">
                 <a:solidFill>
                   <a:srgbClr val="000000"/>
                 </a:solidFill>
@@ -10040,14 +10093,14 @@
           </a:ln>
           <a:extLst>
             <a:ext uri="{909E8E84-426E-40dd-AFC4-6F175D3DCCD1}">
-              <a14:hiddenFill xmlns="" xmlns:a14="http://schemas.microsoft.com/office/drawing/2010/main">
+              <a14:hiddenFill xmlns:a14="http://schemas.microsoft.com/office/drawing/2010/main" xmlns="">
                 <a:solidFill>
                   <a:srgbClr val="FFFFFF"/>
                 </a:solidFill>
               </a14:hiddenFill>
             </a:ext>
             <a:ext uri="{91240B29-F687-4f45-9708-019B960494DF}">
-              <a14:hiddenLine xmlns="" xmlns:a14="http://schemas.microsoft.com/office/drawing/2010/main" w="9525">
+              <a14:hiddenLine xmlns:a14="http://schemas.microsoft.com/office/drawing/2010/main" xmlns="" w="9525">
                 <a:solidFill>
                   <a:srgbClr val="000000"/>
                 </a:solidFill>
@@ -10534,7 +10587,7 @@
           <a:effectLst/>
           <a:extLst>
             <a:ext uri="{909E8E84-426E-40dd-AFC4-6F175D3DCCD1}">
-              <a14:hiddenFill xmlns="" xmlns:a14="http://schemas.microsoft.com/office/drawing/2010/main">
+              <a14:hiddenFill xmlns:a14="http://schemas.microsoft.com/office/drawing/2010/main" xmlns="">
                 <a:blipFill dpi="0" rotWithShape="0">
                   <a:blip/>
                   <a:srcRect/>
@@ -10545,7 +10598,7 @@
               </a14:hiddenFill>
             </a:ext>
             <a:ext uri="{91240B29-F687-4f45-9708-019B960494DF}">
-              <a14:hiddenLine xmlns="" xmlns:a14="http://schemas.microsoft.com/office/drawing/2010/main" w="9525" cap="flat">
+              <a14:hiddenLine xmlns:a14="http://schemas.microsoft.com/office/drawing/2010/main" xmlns="" w="9525" cap="flat">
                 <a:solidFill>
                   <a:srgbClr val="3465A4"/>
                 </a:solidFill>
@@ -10555,7 +10608,7 @@
               </a14:hiddenLine>
             </a:ext>
             <a:ext uri="{AF507438-7753-43e0-B8FC-AC1667EBCBE1}">
-              <a14:hiddenEffects xmlns="" xmlns:a14="http://schemas.microsoft.com/office/drawing/2010/main">
+              <a14:hiddenEffects xmlns:a14="http://schemas.microsoft.com/office/drawing/2010/main" xmlns="">
                 <a:effectLst>
                   <a:outerShdw blurRad="63500" dist="38099" dir="2700000" algn="ctr" rotWithShape="0">
                     <a:srgbClr val="000000">
@@ -10604,7 +10657,7 @@
           <a:effectLst/>
           <a:extLst>
             <a:ext uri="{909E8E84-426E-40dd-AFC4-6F175D3DCCD1}">
-              <a14:hiddenFill xmlns="" xmlns:a14="http://schemas.microsoft.com/office/drawing/2010/main">
+              <a14:hiddenFill xmlns:a14="http://schemas.microsoft.com/office/drawing/2010/main" xmlns="">
                 <a:blipFill dpi="0" rotWithShape="0">
                   <a:blip/>
                   <a:srcRect/>
@@ -10615,7 +10668,7 @@
               </a14:hiddenFill>
             </a:ext>
             <a:ext uri="{91240B29-F687-4f45-9708-019B960494DF}">
-              <a14:hiddenLine xmlns="" xmlns:a14="http://schemas.microsoft.com/office/drawing/2010/main" w="9525" cap="flat">
+              <a14:hiddenLine xmlns:a14="http://schemas.microsoft.com/office/drawing/2010/main" xmlns="" w="9525" cap="flat">
                 <a:solidFill>
                   <a:srgbClr val="3465A4"/>
                 </a:solidFill>
@@ -10625,7 +10678,7 @@
               </a14:hiddenLine>
             </a:ext>
             <a:ext uri="{AF507438-7753-43e0-B8FC-AC1667EBCBE1}">
-              <a14:hiddenEffects xmlns="" xmlns:a14="http://schemas.microsoft.com/office/drawing/2010/main">
+              <a14:hiddenEffects xmlns:a14="http://schemas.microsoft.com/office/drawing/2010/main" xmlns="">
                 <a:effectLst>
                   <a:outerShdw blurRad="63500" dist="38099" dir="2700000" algn="ctr" rotWithShape="0">
                     <a:srgbClr val="000000">
@@ -10666,12 +10719,12 @@
           <a:effectLst/>
           <a:extLst>
             <a:ext uri="{909E8E84-426E-40dd-AFC4-6F175D3DCCD1}">
-              <a14:hiddenFill xmlns="" xmlns:a14="http://schemas.microsoft.com/office/drawing/2010/main">
+              <a14:hiddenFill xmlns:a14="http://schemas.microsoft.com/office/drawing/2010/main" xmlns="">
                 <a:noFill/>
               </a14:hiddenFill>
             </a:ext>
             <a:ext uri="{AF507438-7753-43e0-B8FC-AC1667EBCBE1}">
-              <a14:hiddenEffects xmlns="" xmlns:a14="http://schemas.microsoft.com/office/drawing/2010/main">
+              <a14:hiddenEffects xmlns:a14="http://schemas.microsoft.com/office/drawing/2010/main" xmlns="">
                 <a:effectLst>
                   <a:outerShdw blurRad="63500" dist="38099" dir="2700000" algn="ctr" rotWithShape="0">
                     <a:srgbClr val="000000">
@@ -10714,14 +10767,14 @@
           <a:effectLst/>
           <a:extLst>
             <a:ext uri="{909E8E84-426E-40dd-AFC4-6F175D3DCCD1}">
-              <a14:hiddenFill xmlns="" xmlns:a14="http://schemas.microsoft.com/office/drawing/2010/main">
+              <a14:hiddenFill xmlns:a14="http://schemas.microsoft.com/office/drawing/2010/main" xmlns="">
                 <a:solidFill>
                   <a:srgbClr val="FFFFFF"/>
                 </a:solidFill>
               </a14:hiddenFill>
             </a:ext>
             <a:ext uri="{91240B29-F687-4f45-9708-019B960494DF}">
-              <a14:hiddenLine xmlns="" xmlns:a14="http://schemas.microsoft.com/office/drawing/2010/main" w="9525" cap="flat">
+              <a14:hiddenLine xmlns:a14="http://schemas.microsoft.com/office/drawing/2010/main" xmlns="" w="9525" cap="flat">
                 <a:solidFill>
                   <a:srgbClr val="000000"/>
                 </a:solidFill>
@@ -10731,7 +10784,7 @@
               </a14:hiddenLine>
             </a:ext>
             <a:ext uri="{AF507438-7753-43e0-B8FC-AC1667EBCBE1}">
-              <a14:hiddenEffects xmlns="" xmlns:a14="http://schemas.microsoft.com/office/drawing/2010/main">
+              <a14:hiddenEffects xmlns:a14="http://schemas.microsoft.com/office/drawing/2010/main" xmlns="">
                 <a:effectLst>
                   <a:outerShdw blurRad="63500" dist="38099" dir="2700000" algn="ctr" rotWithShape="0">
                     <a:srgbClr val="000000">
@@ -11047,7 +11100,7 @@
           <a:effectLst/>
           <a:extLst>
             <a:ext uri="{909E8E84-426E-40dd-AFC4-6F175D3DCCD1}">
-              <a14:hiddenFill xmlns="" xmlns:a14="http://schemas.microsoft.com/office/drawing/2010/main">
+              <a14:hiddenFill xmlns:a14="http://schemas.microsoft.com/office/drawing/2010/main" xmlns="">
                 <a:blipFill dpi="0" rotWithShape="0">
                   <a:blip/>
                   <a:srcRect/>
@@ -11058,7 +11111,7 @@
               </a14:hiddenFill>
             </a:ext>
             <a:ext uri="{91240B29-F687-4f45-9708-019B960494DF}">
-              <a14:hiddenLine xmlns="" xmlns:a14="http://schemas.microsoft.com/office/drawing/2010/main" w="9525" cap="flat">
+              <a14:hiddenLine xmlns:a14="http://schemas.microsoft.com/office/drawing/2010/main" xmlns="" w="9525" cap="flat">
                 <a:solidFill>
                   <a:srgbClr val="3465A4"/>
                 </a:solidFill>
@@ -11068,7 +11121,7 @@
               </a14:hiddenLine>
             </a:ext>
             <a:ext uri="{AF507438-7753-43e0-B8FC-AC1667EBCBE1}">
-              <a14:hiddenEffects xmlns="" xmlns:a14="http://schemas.microsoft.com/office/drawing/2010/main">
+              <a14:hiddenEffects xmlns:a14="http://schemas.microsoft.com/office/drawing/2010/main" xmlns="">
                 <a:effectLst>
                   <a:outerShdw blurRad="63500" dist="38099" dir="2700000" algn="ctr" rotWithShape="0">
                     <a:srgbClr val="000000">
@@ -11117,7 +11170,7 @@
           <a:effectLst/>
           <a:extLst>
             <a:ext uri="{909E8E84-426E-40dd-AFC4-6F175D3DCCD1}">
-              <a14:hiddenFill xmlns="" xmlns:a14="http://schemas.microsoft.com/office/drawing/2010/main">
+              <a14:hiddenFill xmlns:a14="http://schemas.microsoft.com/office/drawing/2010/main" xmlns="">
                 <a:blipFill dpi="0" rotWithShape="0">
                   <a:blip/>
                   <a:srcRect/>
@@ -11128,7 +11181,7 @@
               </a14:hiddenFill>
             </a:ext>
             <a:ext uri="{91240B29-F687-4f45-9708-019B960494DF}">
-              <a14:hiddenLine xmlns="" xmlns:a14="http://schemas.microsoft.com/office/drawing/2010/main" w="9525" cap="flat">
+              <a14:hiddenLine xmlns:a14="http://schemas.microsoft.com/office/drawing/2010/main" xmlns="" w="9525" cap="flat">
                 <a:solidFill>
                   <a:srgbClr val="3465A4"/>
                 </a:solidFill>
@@ -11138,7 +11191,7 @@
               </a14:hiddenLine>
             </a:ext>
             <a:ext uri="{AF507438-7753-43e0-B8FC-AC1667EBCBE1}">
-              <a14:hiddenEffects xmlns="" xmlns:a14="http://schemas.microsoft.com/office/drawing/2010/main">
+              <a14:hiddenEffects xmlns:a14="http://schemas.microsoft.com/office/drawing/2010/main" xmlns="">
                 <a:effectLst>
                   <a:outerShdw blurRad="63500" dist="38099" dir="2700000" algn="ctr" rotWithShape="0">
                     <a:srgbClr val="000000">
@@ -11174,14 +11227,14 @@
           <a:effectLst/>
           <a:extLst>
             <a:ext uri="{909E8E84-426E-40dd-AFC4-6F175D3DCCD1}">
-              <a14:hiddenFill xmlns="" xmlns:a14="http://schemas.microsoft.com/office/drawing/2010/main">
+              <a14:hiddenFill xmlns:a14="http://schemas.microsoft.com/office/drawing/2010/main" xmlns="">
                 <a:solidFill>
                   <a:srgbClr val="FFFFFF"/>
                 </a:solidFill>
               </a14:hiddenFill>
             </a:ext>
             <a:ext uri="{91240B29-F687-4f45-9708-019B960494DF}">
-              <a14:hiddenLine xmlns="" xmlns:a14="http://schemas.microsoft.com/office/drawing/2010/main" w="9525" cap="flat">
+              <a14:hiddenLine xmlns:a14="http://schemas.microsoft.com/office/drawing/2010/main" xmlns="" w="9525" cap="flat">
                 <a:solidFill>
                   <a:srgbClr val="000000"/>
                 </a:solidFill>
@@ -11191,7 +11244,7 @@
               </a14:hiddenLine>
             </a:ext>
             <a:ext uri="{AF507438-7753-43e0-B8FC-AC1667EBCBE1}">
-              <a14:hiddenEffects xmlns="" xmlns:a14="http://schemas.microsoft.com/office/drawing/2010/main">
+              <a14:hiddenEffects xmlns:a14="http://schemas.microsoft.com/office/drawing/2010/main" xmlns="">
                 <a:effectLst>
                   <a:outerShdw blurRad="63500" dist="38099" dir="2700000" algn="ctr" rotWithShape="0">
                     <a:srgbClr val="000000">
@@ -11513,14 +11566,14 @@
           <a:effectLst/>
           <a:extLst>
             <a:ext uri="{909E8E84-426E-40dd-AFC4-6F175D3DCCD1}">
-              <a14:hiddenFill xmlns="" xmlns:a14="http://schemas.microsoft.com/office/drawing/2010/main">
+              <a14:hiddenFill xmlns:a14="http://schemas.microsoft.com/office/drawing/2010/main" xmlns="">
                 <a:solidFill>
                   <a:srgbClr val="FFFFFF"/>
                 </a:solidFill>
               </a14:hiddenFill>
             </a:ext>
             <a:ext uri="{91240B29-F687-4f45-9708-019B960494DF}">
-              <a14:hiddenLine xmlns="" xmlns:a14="http://schemas.microsoft.com/office/drawing/2010/main" w="9525" cap="flat">
+              <a14:hiddenLine xmlns:a14="http://schemas.microsoft.com/office/drawing/2010/main" xmlns="" w="9525" cap="flat">
                 <a:solidFill>
                   <a:srgbClr val="000000"/>
                 </a:solidFill>
@@ -11530,7 +11583,7 @@
               </a14:hiddenLine>
             </a:ext>
             <a:ext uri="{AF507438-7753-43e0-B8FC-AC1667EBCBE1}">
-              <a14:hiddenEffects xmlns="" xmlns:a14="http://schemas.microsoft.com/office/drawing/2010/main">
+              <a14:hiddenEffects xmlns:a14="http://schemas.microsoft.com/office/drawing/2010/main" xmlns="">
                 <a:effectLst>
                   <a:outerShdw blurRad="63500" dist="38099" dir="2700000" algn="ctr" rotWithShape="0">
                     <a:srgbClr val="000000">
@@ -11972,7 +12025,7 @@
           <a:effectLst/>
           <a:extLst>
             <a:ext uri="{909E8E84-426E-40dd-AFC4-6F175D3DCCD1}">
-              <a14:hiddenFill xmlns:a14="http://schemas.microsoft.com/office/drawing/2010/main" xmlns="">
+              <a14:hiddenFill xmlns="" xmlns:a14="http://schemas.microsoft.com/office/drawing/2010/main">
                 <a:blipFill dpi="0" rotWithShape="0">
                   <a:blip/>
                   <a:srcRect/>
@@ -11983,7 +12036,7 @@
               </a14:hiddenFill>
             </a:ext>
             <a:ext uri="{91240B29-F687-4f45-9708-019B960494DF}">
-              <a14:hiddenLine xmlns:a14="http://schemas.microsoft.com/office/drawing/2010/main" xmlns="" w="9525" cap="flat">
+              <a14:hiddenLine xmlns="" xmlns:a14="http://schemas.microsoft.com/office/drawing/2010/main" w="9525" cap="flat">
                 <a:solidFill>
                   <a:srgbClr val="3465A4"/>
                 </a:solidFill>
@@ -11993,7 +12046,7 @@
               </a14:hiddenLine>
             </a:ext>
             <a:ext uri="{AF507438-7753-43e0-B8FC-AC1667EBCBE1}">
-              <a14:hiddenEffects xmlns:a14="http://schemas.microsoft.com/office/drawing/2010/main" xmlns="">
+              <a14:hiddenEffects xmlns="" xmlns:a14="http://schemas.microsoft.com/office/drawing/2010/main">
                 <a:effectLst>
                   <a:outerShdw blurRad="63500" dist="38099" dir="2700000" algn="ctr" rotWithShape="0">
                     <a:srgbClr val="000000">
@@ -12324,7 +12377,7 @@
           <a:effectLst/>
           <a:extLst>
             <a:ext uri="{909E8E84-426E-40dd-AFC4-6F175D3DCCD1}">
-              <a14:hiddenFill xmlns:a14="http://schemas.microsoft.com/office/drawing/2010/main" xmlns="">
+              <a14:hiddenFill xmlns="" xmlns:a14="http://schemas.microsoft.com/office/drawing/2010/main">
                 <a:blipFill dpi="0" rotWithShape="0">
                   <a:blip/>
                   <a:srcRect/>
@@ -12335,7 +12388,7 @@
               </a14:hiddenFill>
             </a:ext>
             <a:ext uri="{91240B29-F687-4f45-9708-019B960494DF}">
-              <a14:hiddenLine xmlns:a14="http://schemas.microsoft.com/office/drawing/2010/main" xmlns="" w="9525" cap="flat">
+              <a14:hiddenLine xmlns="" xmlns:a14="http://schemas.microsoft.com/office/drawing/2010/main" w="9525" cap="flat">
                 <a:solidFill>
                   <a:srgbClr val="3465A4"/>
                 </a:solidFill>
@@ -12345,7 +12398,7 @@
               </a14:hiddenLine>
             </a:ext>
             <a:ext uri="{AF507438-7753-43e0-B8FC-AC1667EBCBE1}">
-              <a14:hiddenEffects xmlns:a14="http://schemas.microsoft.com/office/drawing/2010/main" xmlns="">
+              <a14:hiddenEffects xmlns="" xmlns:a14="http://schemas.microsoft.com/office/drawing/2010/main">
                 <a:effectLst>
                   <a:outerShdw blurRad="63500" dist="38099" dir="2700000" algn="ctr" rotWithShape="0">
                     <a:srgbClr val="000000">
@@ -12387,14 +12440,14 @@
           <a:effectLst/>
           <a:extLst>
             <a:ext uri="{909E8E84-426E-40dd-AFC4-6F175D3DCCD1}">
-              <a14:hiddenFill xmlns:a14="http://schemas.microsoft.com/office/drawing/2010/main" xmlns="">
+              <a14:hiddenFill xmlns="" xmlns:a14="http://schemas.microsoft.com/office/drawing/2010/main">
                 <a:solidFill>
                   <a:srgbClr val="FFFFFF"/>
                 </a:solidFill>
               </a14:hiddenFill>
             </a:ext>
             <a:ext uri="{91240B29-F687-4f45-9708-019B960494DF}">
-              <a14:hiddenLine xmlns:a14="http://schemas.microsoft.com/office/drawing/2010/main" xmlns="" w="9525" cap="flat">
+              <a14:hiddenLine xmlns="" xmlns:a14="http://schemas.microsoft.com/office/drawing/2010/main" w="9525" cap="flat">
                 <a:solidFill>
                   <a:srgbClr val="3465A4"/>
                 </a:solidFill>
@@ -12404,7 +12457,7 @@
               </a14:hiddenLine>
             </a:ext>
             <a:ext uri="{AF507438-7753-43e0-B8FC-AC1667EBCBE1}">
-              <a14:hiddenEffects xmlns:a14="http://schemas.microsoft.com/office/drawing/2010/main" xmlns="">
+              <a14:hiddenEffects xmlns="" xmlns:a14="http://schemas.microsoft.com/office/drawing/2010/main">
                 <a:effectLst>
                   <a:outerShdw blurRad="63500" dist="38099" dir="2700000" algn="ctr" rotWithShape="0">
                     <a:srgbClr val="000000">
